--- a/dev/gold_source.pptx
+++ b/dev/gold_source.pptx
@@ -6,6 +6,8 @@
   </p:sldMasterIdLst>
   <p:sldIdLst>
     <p:sldId id="256" r:id="rId2"/>
+    <p:sldId id="257" r:id="rId3"/>
+    <p:sldId id="258" r:id="rId4"/>
   </p:sldIdLst>
   <p:sldSz cx="12192000" cy="6858000"/>
   <p:notesSz cx="6858000" cy="9144000"/>
@@ -259,7 +261,7 @@
           <a:p>
             <a:fld id="{B13F62F2-2C9C-4B0C-970B-F97F6C63FDAD}" type="datetimeFigureOut">
               <a:rPr lang="de-DE" smtClean="0"/>
-              <a:t>04.02.2025</a:t>
+              <a:t>05.02.2025</a:t>
             </a:fld>
             <a:endParaRPr lang="de-DE"/>
           </a:p>
@@ -457,7 +459,7 @@
           <a:p>
             <a:fld id="{B13F62F2-2C9C-4B0C-970B-F97F6C63FDAD}" type="datetimeFigureOut">
               <a:rPr lang="de-DE" smtClean="0"/>
-              <a:t>04.02.2025</a:t>
+              <a:t>05.02.2025</a:t>
             </a:fld>
             <a:endParaRPr lang="de-DE"/>
           </a:p>
@@ -665,7 +667,7 @@
           <a:p>
             <a:fld id="{B13F62F2-2C9C-4B0C-970B-F97F6C63FDAD}" type="datetimeFigureOut">
               <a:rPr lang="de-DE" smtClean="0"/>
-              <a:t>04.02.2025</a:t>
+              <a:t>05.02.2025</a:t>
             </a:fld>
             <a:endParaRPr lang="de-DE"/>
           </a:p>
@@ -863,7 +865,7 @@
           <a:p>
             <a:fld id="{B13F62F2-2C9C-4B0C-970B-F97F6C63FDAD}" type="datetimeFigureOut">
               <a:rPr lang="de-DE" smtClean="0"/>
-              <a:t>04.02.2025</a:t>
+              <a:t>05.02.2025</a:t>
             </a:fld>
             <a:endParaRPr lang="de-DE"/>
           </a:p>
@@ -1138,7 +1140,7 @@
           <a:p>
             <a:fld id="{B13F62F2-2C9C-4B0C-970B-F97F6C63FDAD}" type="datetimeFigureOut">
               <a:rPr lang="de-DE" smtClean="0"/>
-              <a:t>04.02.2025</a:t>
+              <a:t>05.02.2025</a:t>
             </a:fld>
             <a:endParaRPr lang="de-DE"/>
           </a:p>
@@ -1403,7 +1405,7 @@
           <a:p>
             <a:fld id="{B13F62F2-2C9C-4B0C-970B-F97F6C63FDAD}" type="datetimeFigureOut">
               <a:rPr lang="de-DE" smtClean="0"/>
-              <a:t>04.02.2025</a:t>
+              <a:t>05.02.2025</a:t>
             </a:fld>
             <a:endParaRPr lang="de-DE"/>
           </a:p>
@@ -1815,7 +1817,7 @@
           <a:p>
             <a:fld id="{B13F62F2-2C9C-4B0C-970B-F97F6C63FDAD}" type="datetimeFigureOut">
               <a:rPr lang="de-DE" smtClean="0"/>
-              <a:t>04.02.2025</a:t>
+              <a:t>05.02.2025</a:t>
             </a:fld>
             <a:endParaRPr lang="de-DE"/>
           </a:p>
@@ -1956,7 +1958,7 @@
           <a:p>
             <a:fld id="{B13F62F2-2C9C-4B0C-970B-F97F6C63FDAD}" type="datetimeFigureOut">
               <a:rPr lang="de-DE" smtClean="0"/>
-              <a:t>04.02.2025</a:t>
+              <a:t>05.02.2025</a:t>
             </a:fld>
             <a:endParaRPr lang="de-DE"/>
           </a:p>
@@ -2069,7 +2071,7 @@
           <a:p>
             <a:fld id="{B13F62F2-2C9C-4B0C-970B-F97F6C63FDAD}" type="datetimeFigureOut">
               <a:rPr lang="de-DE" smtClean="0"/>
-              <a:t>04.02.2025</a:t>
+              <a:t>05.02.2025</a:t>
             </a:fld>
             <a:endParaRPr lang="de-DE"/>
           </a:p>
@@ -2380,7 +2382,7 @@
           <a:p>
             <a:fld id="{B13F62F2-2C9C-4B0C-970B-F97F6C63FDAD}" type="datetimeFigureOut">
               <a:rPr lang="de-DE" smtClean="0"/>
-              <a:t>04.02.2025</a:t>
+              <a:t>05.02.2025</a:t>
             </a:fld>
             <a:endParaRPr lang="de-DE"/>
           </a:p>
@@ -2668,7 +2670,7 @@
           <a:p>
             <a:fld id="{B13F62F2-2C9C-4B0C-970B-F97F6C63FDAD}" type="datetimeFigureOut">
               <a:rPr lang="de-DE" smtClean="0"/>
-              <a:t>04.02.2025</a:t>
+              <a:t>05.02.2025</a:t>
             </a:fld>
             <a:endParaRPr lang="de-DE"/>
           </a:p>
@@ -2909,7 +2911,7 @@
           <a:p>
             <a:fld id="{B13F62F2-2C9C-4B0C-970B-F97F6C63FDAD}" type="datetimeFigureOut">
               <a:rPr lang="de-DE" smtClean="0"/>
-              <a:t>04.02.2025</a:t>
+              <a:t>05.02.2025</a:t>
             </a:fld>
             <a:endParaRPr lang="de-DE"/>
           </a:p>
@@ -3500,6 +3502,220 @@
 </p:sld>
 </file>
 
+<file path=ppt/slides/slide2.xml><?xml version="1.0" encoding="utf-8"?>
+<p:sld xmlns:a="http://schemas.openxmlformats.org/drawingml/2006/main" xmlns:r="http://schemas.openxmlformats.org/officeDocument/2006/relationships" xmlns:p="http://schemas.openxmlformats.org/presentationml/2006/main">
+  <p:cSld>
+    <p:spTree>
+      <p:nvGrpSpPr>
+        <p:cNvPr id="1" name=""/>
+        <p:cNvGrpSpPr/>
+        <p:nvPr/>
+      </p:nvGrpSpPr>
+      <p:grpSpPr>
+        <a:xfrm>
+          <a:off x="0" y="0"/>
+          <a:ext cx="0" cy="0"/>
+          <a:chOff x="0" y="0"/>
+          <a:chExt cx="0" cy="0"/>
+        </a:xfrm>
+      </p:grpSpPr>
+      <p:grpSp>
+        <p:nvGrpSpPr>
+          <p:cNvPr id="7" name="Gruppieren 6">
+            <a:extLst>
+              <a:ext uri="{FF2B5EF4-FFF2-40B4-BE49-F238E27FC236}">
+                <a16:creationId xmlns:a16="http://schemas.microsoft.com/office/drawing/2014/main" id="{A565500A-ED57-541F-A458-0EE027BDD06A}"/>
+              </a:ext>
+            </a:extLst>
+          </p:cNvPr>
+          <p:cNvGrpSpPr/>
+          <p:nvPr/>
+        </p:nvGrpSpPr>
+        <p:grpSpPr>
+          <a:xfrm>
+            <a:off x="1362074" y="235252"/>
+            <a:ext cx="9539289" cy="4759510"/>
+            <a:chOff x="1362074" y="235252"/>
+            <a:chExt cx="9539289" cy="4759510"/>
+          </a:xfrm>
+        </p:grpSpPr>
+        <p:pic>
+          <p:nvPicPr>
+            <p:cNvPr id="5" name="Grafik 4">
+              <a:extLst>
+                <a:ext uri="{FF2B5EF4-FFF2-40B4-BE49-F238E27FC236}">
+                  <a16:creationId xmlns:a16="http://schemas.microsoft.com/office/drawing/2014/main" id="{4AEE7B0E-0193-B274-DB12-C3DC71AD3CB3}"/>
+                </a:ext>
+              </a:extLst>
+            </p:cNvPr>
+            <p:cNvPicPr>
+              <a:picLocks noChangeAspect="1"/>
+            </p:cNvPicPr>
+            <p:nvPr/>
+          </p:nvPicPr>
+          <p:blipFill>
+            <a:blip r:embed="rId2">
+              <a:extLst>
+                <a:ext uri="{96DAC541-7B7A-43D3-8B79-37D633B846F1}">
+                  <asvg:svgBlip xmlns:asvg="http://schemas.microsoft.com/office/drawing/2016/SVG/main" r:embed="rId3"/>
+                </a:ext>
+              </a:extLst>
+            </a:blip>
+            <a:srcRect l="10885" t="34614" r="10295" b="16567"/>
+            <a:stretch/>
+          </p:blipFill>
+          <p:spPr>
+            <a:xfrm>
+              <a:off x="1362074" y="235252"/>
+              <a:ext cx="9539289" cy="4441108"/>
+            </a:xfrm>
+            <a:prstGeom prst="rect">
+              <a:avLst/>
+            </a:prstGeom>
+          </p:spPr>
+        </p:pic>
+        <p:sp>
+          <p:nvSpPr>
+            <p:cNvPr id="6" name="Textfeld 5">
+              <a:extLst>
+                <a:ext uri="{FF2B5EF4-FFF2-40B4-BE49-F238E27FC236}">
+                  <a16:creationId xmlns:a16="http://schemas.microsoft.com/office/drawing/2014/main" id="{DF270CDD-0252-B241-E62F-ABC78E92CB21}"/>
+                </a:ext>
+              </a:extLst>
+            </p:cNvPr>
+            <p:cNvSpPr txBox="1"/>
+            <p:nvPr/>
+          </p:nvSpPr>
+          <p:spPr>
+            <a:xfrm>
+              <a:off x="1604967" y="4348431"/>
+              <a:ext cx="9253538" cy="646331"/>
+            </a:xfrm>
+            <a:prstGeom prst="rect">
+              <a:avLst/>
+            </a:prstGeom>
+            <a:noFill/>
+          </p:spPr>
+          <p:txBody>
+            <a:bodyPr wrap="square" rtlCol="0">
+              <a:spAutoFit/>
+            </a:bodyPr>
+            <a:lstStyle/>
+            <a:p>
+              <a:pPr algn="ctr"/>
+              <a:r>
+                <a:rPr lang="de-DE" sz="3600" b="1" dirty="0">
+                  <a:solidFill>
+                    <a:srgbClr val="FFCC00"/>
+                  </a:solidFill>
+                  <a:latin typeface="Consolas" panose="020B0609020204030204" pitchFamily="49" charset="0"/>
+                  <a:cs typeface="Arial" panose="020B0604020202020204" pitchFamily="34" charset="0"/>
+                </a:rPr>
+                <a:t>The </a:t>
+              </a:r>
+              <a:r>
+                <a:rPr lang="de-DE" sz="3600" b="1" dirty="0" err="1">
+                  <a:solidFill>
+                    <a:srgbClr val="FFCC00"/>
+                  </a:solidFill>
+                  <a:latin typeface="Consolas" panose="020B0609020204030204" pitchFamily="49" charset="0"/>
+                  <a:cs typeface="Arial" panose="020B0604020202020204" pitchFamily="34" charset="0"/>
+                </a:rPr>
+                <a:t>Minimalists</a:t>
+              </a:r>
+              <a:r>
+                <a:rPr lang="de-DE" sz="3600" b="1" dirty="0">
+                  <a:solidFill>
+                    <a:srgbClr val="FFCC00"/>
+                  </a:solidFill>
+                  <a:latin typeface="Consolas" panose="020B0609020204030204" pitchFamily="49" charset="0"/>
+                  <a:cs typeface="Arial" panose="020B0604020202020204" pitchFamily="34" charset="0"/>
+                </a:rPr>
+                <a:t> JavaScript Framework</a:t>
+              </a:r>
+            </a:p>
+          </p:txBody>
+        </p:sp>
+      </p:grpSp>
+    </p:spTree>
+    <p:extLst>
+      <p:ext uri="{BB962C8B-B14F-4D97-AF65-F5344CB8AC3E}">
+        <p14:creationId xmlns:p14="http://schemas.microsoft.com/office/powerpoint/2010/main" val="1635907388"/>
+      </p:ext>
+    </p:extLst>
+  </p:cSld>
+  <p:clrMapOvr>
+    <a:masterClrMapping/>
+  </p:clrMapOvr>
+</p:sld>
+</file>
+
+<file path=ppt/slides/slide3.xml><?xml version="1.0" encoding="utf-8"?>
+<p:sld xmlns:a="http://schemas.openxmlformats.org/drawingml/2006/main" xmlns:r="http://schemas.openxmlformats.org/officeDocument/2006/relationships" xmlns:p="http://schemas.openxmlformats.org/presentationml/2006/main">
+  <p:cSld>
+    <p:spTree>
+      <p:nvGrpSpPr>
+        <p:cNvPr id="1" name=""/>
+        <p:cNvGrpSpPr/>
+        <p:nvPr/>
+      </p:nvGrpSpPr>
+      <p:grpSpPr>
+        <a:xfrm>
+          <a:off x="0" y="0"/>
+          <a:ext cx="0" cy="0"/>
+          <a:chOff x="0" y="0"/>
+          <a:chExt cx="0" cy="0"/>
+        </a:xfrm>
+      </p:grpSpPr>
+      <p:pic>
+        <p:nvPicPr>
+          <p:cNvPr id="5" name="Grafik 4">
+            <a:extLst>
+              <a:ext uri="{FF2B5EF4-FFF2-40B4-BE49-F238E27FC236}">
+                <a16:creationId xmlns:a16="http://schemas.microsoft.com/office/drawing/2014/main" id="{5B106D71-9C38-51F3-748F-A4EA0DAD1891}"/>
+              </a:ext>
+            </a:extLst>
+          </p:cNvPr>
+          <p:cNvPicPr>
+            <a:picLocks noChangeAspect="1"/>
+          </p:cNvPicPr>
+          <p:nvPr/>
+        </p:nvPicPr>
+        <p:blipFill>
+          <a:blip r:embed="rId2">
+            <a:extLst>
+              <a:ext uri="{96DAC541-7B7A-43D3-8B79-37D633B846F1}">
+                <asvg:svgBlip xmlns:asvg="http://schemas.microsoft.com/office/drawing/2016/SVG/main" r:embed="rId3"/>
+              </a:ext>
+            </a:extLst>
+          </a:blip>
+          <a:stretch>
+            <a:fillRect/>
+          </a:stretch>
+        </p:blipFill>
+        <p:spPr>
+          <a:xfrm>
+            <a:off x="2780471" y="291961"/>
+            <a:ext cx="6274077" cy="6274077"/>
+          </a:xfrm>
+          <a:prstGeom prst="rect">
+            <a:avLst/>
+          </a:prstGeom>
+        </p:spPr>
+      </p:pic>
+    </p:spTree>
+    <p:extLst>
+      <p:ext uri="{BB962C8B-B14F-4D97-AF65-F5344CB8AC3E}">
+        <p14:creationId xmlns:p14="http://schemas.microsoft.com/office/powerpoint/2010/main" val="3914512096"/>
+      </p:ext>
+    </p:extLst>
+  </p:cSld>
+  <p:clrMapOvr>
+    <a:masterClrMapping/>
+  </p:clrMapOvr>
+</p:sld>
+</file>
+
 <file path=ppt/theme/theme1.xml><?xml version="1.0" encoding="utf-8"?>
 <a:theme xmlns:a="http://schemas.openxmlformats.org/drawingml/2006/main" name="Office">
   <a:themeElements>
